--- a/Homework 03/Value Proposition Canvas.pptx
+++ b/Homework 03/Value Proposition Canvas.pptx
@@ -3851,7 +3851,7 @@
             <a:fld id="{11A6662E-FAF4-44BC-88B5-85A7CBFB6D30}" type="datetime1">
               <a:rPr lang="en-US" smtClean="0"/>
               <a:pPr/>
-              <a:t>1/29/21</a:t>
+              <a:t>1/30/21</a:t>
             </a:fld>
             <a:endParaRPr lang="en-US"/>
           </a:p>
@@ -4062,7 +4062,7 @@
           <a:p>
             <a:fld id="{4C559632-1575-4E14-B53B-3DC3D5ED3947}" type="datetime1">
               <a:rPr lang="en-US" smtClean="0"/>
-              <a:t>1/29/21</a:t>
+              <a:t>1/30/21</a:t>
             </a:fld>
             <a:endParaRPr lang="en-US"/>
           </a:p>
@@ -4270,7 +4270,7 @@
           <a:p>
             <a:fld id="{CC4A6868-2568-4CC9-B302-F37117B01A6E}" type="datetime1">
               <a:rPr lang="en-US" smtClean="0"/>
-              <a:t>1/29/21</a:t>
+              <a:t>1/30/21</a:t>
             </a:fld>
             <a:endParaRPr lang="en-US"/>
           </a:p>
@@ -4473,7 +4473,7 @@
           <a:p>
             <a:fld id="{0055F08A-1E71-4B2B-BB49-E743F2903911}" type="datetime1">
               <a:rPr lang="en-US" smtClean="0"/>
-              <a:t>1/29/21</a:t>
+              <a:t>1/30/21</a:t>
             </a:fld>
             <a:endParaRPr lang="en-US" dirty="0"/>
           </a:p>
@@ -4747,7 +4747,7 @@
           <a:p>
             <a:fld id="{15417D9E-721A-44BB-8863-9873FE64DA75}" type="datetime1">
               <a:rPr lang="en-US" smtClean="0"/>
-              <a:t>1/29/21</a:t>
+              <a:t>1/30/21</a:t>
             </a:fld>
             <a:endParaRPr lang="en-US"/>
           </a:p>
@@ -5017,7 +5017,7 @@
           <a:p>
             <a:fld id="{5F31DA2F-80B8-49CF-99FB-5ABCA53A607A}" type="datetime1">
               <a:rPr lang="en-US" smtClean="0"/>
-              <a:t>1/29/21</a:t>
+              <a:t>1/30/21</a:t>
             </a:fld>
             <a:endParaRPr lang="en-US"/>
           </a:p>
@@ -5430,7 +5430,7 @@
           <a:p>
             <a:fld id="{28852172-E6C9-4B6C-929A-A9DE3837BBF1}" type="datetime1">
               <a:rPr lang="en-US" smtClean="0"/>
-              <a:t>1/29/21</a:t>
+              <a:t>1/30/21</a:t>
             </a:fld>
             <a:endParaRPr lang="en-US"/>
           </a:p>
@@ -5576,7 +5576,7 @@
           <a:p>
             <a:fld id="{3AB41CFF-90C9-47B3-9DA1-F2BF8D839F7E}" type="datetime1">
               <a:rPr lang="en-US" smtClean="0"/>
-              <a:t>1/29/21</a:t>
+              <a:t>1/30/21</a:t>
             </a:fld>
             <a:endParaRPr lang="en-US"/>
           </a:p>
@@ -5689,7 +5689,7 @@
           <a:p>
             <a:fld id="{F06048FA-06AB-4884-A69B-986B96E68A24}" type="datetime1">
               <a:rPr lang="en-US" smtClean="0"/>
-              <a:t>1/29/21</a:t>
+              <a:t>1/30/21</a:t>
             </a:fld>
             <a:endParaRPr lang="en-US"/>
           </a:p>
@@ -6000,7 +6000,7 @@
           <a:p>
             <a:fld id="{50DB7ABA-0172-4F9C-889D-567164F66BCD}" type="datetime1">
               <a:rPr lang="en-US" smtClean="0"/>
-              <a:t>1/29/21</a:t>
+              <a:t>1/30/21</a:t>
             </a:fld>
             <a:endParaRPr lang="en-US"/>
           </a:p>
@@ -6291,7 +6291,7 @@
           <a:p>
             <a:fld id="{78AC6A5B-8AE7-4A41-B5A7-9ADC6686DC18}" type="datetime1">
               <a:rPr lang="en-US" smtClean="0"/>
-              <a:t>1/29/21</a:t>
+              <a:t>1/30/21</a:t>
             </a:fld>
             <a:endParaRPr lang="en-US"/>
           </a:p>
@@ -6637,7 +6637,7 @@
             <a:fld id="{57E0CF6C-748E-4B7A-BC8B-3011EF78ED13}" type="datetime1">
               <a:rPr lang="en-US" smtClean="0"/>
               <a:pPr/>
-              <a:t>1/29/21</a:t>
+              <a:t>1/30/21</a:t>
             </a:fld>
             <a:endParaRPr lang="en-US" dirty="0"/>
           </a:p>
@@ -7562,13 +7562,13 @@
             <p:ph idx="1"/>
             <p:extLst>
               <p:ext uri="{D42A27DB-BD31-4B8C-83A1-F6EECF244321}">
-                <p14:modId xmlns:p14="http://schemas.microsoft.com/office/powerpoint/2010/main" val="3457139831"/>
+                <p14:modId xmlns:p14="http://schemas.microsoft.com/office/powerpoint/2010/main" val="594949488"/>
               </p:ext>
             </p:extLst>
           </p:nvPr>
         </p:nvGraphicFramePr>
         <p:xfrm>
-          <a:off x="70757" y="1691323"/>
+          <a:off x="70757" y="1344840"/>
           <a:ext cx="12050486" cy="5166677"/>
         </p:xfrm>
         <a:graphic>
@@ -7591,7 +7591,7 @@
         </p:nvSpPr>
         <p:spPr>
           <a:xfrm>
-            <a:off x="8239572" y="3951496"/>
+            <a:off x="8239572" y="3605013"/>
             <a:ext cx="3619132" cy="646331"/>
           </a:xfrm>
           <a:prstGeom prst="rect">
@@ -7606,12 +7606,20 @@
           <a:lstStyle/>
           <a:p>
             <a:r>
+              <a:rPr lang="en-US" dirty="0">
+                <a:solidFill>
+                  <a:schemeClr val="bg1"/>
+                </a:solidFill>
+              </a:rPr>
+              <a:t>Surf the</a:t>
+            </a:r>
+            <a:r>
               <a:rPr lang="en-TH" dirty="0">
                 <a:solidFill>
                   <a:schemeClr val="bg1"/>
                 </a:solidFill>
               </a:rPr>
-              <a:t>Play Internet </a:t>
+              <a:t> internet </a:t>
             </a:r>
           </a:p>
           <a:p>
@@ -7640,7 +7648,7 @@
         </p:nvSpPr>
         <p:spPr>
           <a:xfrm>
-            <a:off x="884885" y="2984910"/>
+            <a:off x="884885" y="2638427"/>
             <a:ext cx="2887329" cy="830997"/>
           </a:xfrm>
           <a:prstGeom prst="rect">
@@ -7724,7 +7732,7 @@
         </p:nvSpPr>
         <p:spPr>
           <a:xfrm>
-            <a:off x="6270171" y="3817992"/>
+            <a:off x="6270171" y="3471509"/>
             <a:ext cx="1853777" cy="923330"/>
           </a:xfrm>
           <a:prstGeom prst="rect">
@@ -7771,7 +7779,7 @@
         </p:nvSpPr>
         <p:spPr>
           <a:xfrm>
-            <a:off x="4343040" y="2967335"/>
+            <a:off x="4343040" y="2620852"/>
             <a:ext cx="1828578" cy="923330"/>
           </a:xfrm>
           <a:prstGeom prst="rect">
@@ -7818,7 +7826,7 @@
         </p:nvSpPr>
         <p:spPr>
           <a:xfrm>
-            <a:off x="4343040" y="4820066"/>
+            <a:off x="4343040" y="4473583"/>
             <a:ext cx="2166299" cy="923330"/>
           </a:xfrm>
           <a:prstGeom prst="rect">
@@ -7865,7 +7873,7 @@
         </p:nvSpPr>
         <p:spPr>
           <a:xfrm>
-            <a:off x="884885" y="4512064"/>
+            <a:off x="884885" y="4165581"/>
             <a:ext cx="2273379" cy="1569660"/>
           </a:xfrm>
           <a:prstGeom prst="rect">
